--- a/slides/ppt/04_Comandi principali.pptx
+++ b/slides/ppt/04_Comandi principali.pptx
@@ -215,7 +215,7 @@
             <a:fld id="{BAEB7694-8561-4BE2-948D-EDF7A201F8BB}" type="datetimeFigureOut">
               <a:rPr lang="it-IT" smtClean="0"/>
               <a:pPr/>
-              <a:t>26/03/20</a:t>
+              <a:t>27/03/20</a:t>
             </a:fld>
             <a:endParaRPr lang="it-IT"/>
           </a:p>
@@ -3476,36 +3476,36 @@
           <a:p>
             <a:pPr algn="r"/>
             <a:r>
-              <a:rPr lang="en-US" sz="1350" dirty="0" err="1"/>
+              <a:rPr lang="en-US" sz="1800" dirty="0" err="1"/>
               <a:t>Università</a:t>
             </a:r>
             <a:r>
-              <a:rPr lang="en-US" sz="1350" dirty="0"/>
+              <a:rPr lang="en-US" sz="1800" dirty="0"/>
               <a:t> di Modena e Reggio Emilia</a:t>
             </a:r>
           </a:p>
           <a:p>
             <a:pPr algn="r"/>
             <a:r>
-              <a:rPr lang="en-US" sz="1350" i="1" dirty="0"/>
+              <a:rPr lang="en-US" sz="1800" i="1" dirty="0"/>
               <a:t>Prof. Nicola Bicocchi (</a:t>
             </a:r>
             <a:r>
-              <a:rPr lang="en-US" sz="1350" i="1" dirty="0" err="1"/>
+              <a:rPr lang="en-US" sz="1800" i="1" dirty="0" err="1"/>
               <a:t>nicola.bicocchi@unimore.it</a:t>
             </a:r>
             <a:r>
-              <a:rPr lang="en-US" sz="1350" i="1" dirty="0"/>
+              <a:rPr lang="en-US" sz="1800" i="1" dirty="0"/>
               <a:t>)</a:t>
             </a:r>
           </a:p>
           <a:p>
             <a:pPr algn="r"/>
-            <a:endParaRPr lang="en-US" sz="1350" dirty="0"/>
+            <a:endParaRPr lang="en-US" sz="1800" dirty="0"/>
           </a:p>
           <a:p>
             <a:pPr algn="r"/>
-            <a:endParaRPr lang="it-IT" sz="1350" dirty="0"/>
+            <a:endParaRPr lang="it-IT" sz="1800" dirty="0"/>
           </a:p>
         </p:txBody>
       </p:sp>
@@ -3930,132 +3930,264 @@
           <a:lstStyle/>
           <a:p>
             <a:r>
-              <a:rPr lang="it-IT" dirty="0" err="1"/>
+              <a:rPr lang="it-IT" sz="2400" dirty="0" err="1"/>
               <a:t>ls</a:t>
             </a:r>
             <a:r>
-              <a:rPr lang="it-IT" dirty="0"/>
-              <a:t> [</a:t>
-            </a:r>
-            <a:r>
-              <a:rPr lang="it-IT" dirty="0" err="1"/>
+              <a:rPr lang="it-IT" sz="2400" dirty="0"/>
+              <a:t> </a:t>
+            </a:r>
+            <a:r>
+              <a:rPr lang="it-IT" sz="2400" dirty="0">
+                <a:solidFill>
+                  <a:schemeClr val="accent6">
+                    <a:lumMod val="75000"/>
+                  </a:schemeClr>
+                </a:solidFill>
+              </a:rPr>
+              <a:t>[</a:t>
+            </a:r>
+            <a:r>
+              <a:rPr lang="it-IT" sz="2400" dirty="0" err="1">
+                <a:solidFill>
+                  <a:schemeClr val="accent6">
+                    <a:lumMod val="75000"/>
+                  </a:schemeClr>
+                </a:solidFill>
+              </a:rPr>
               <a:t>alRh</a:t>
             </a:r>
             <a:r>
-              <a:rPr lang="it-IT" dirty="0"/>
+              <a:rPr lang="it-IT" sz="2400" dirty="0">
+                <a:solidFill>
+                  <a:schemeClr val="accent6">
+                    <a:lumMod val="75000"/>
+                  </a:schemeClr>
+                </a:solidFill>
+              </a:rPr>
               <a:t>]</a:t>
             </a:r>
           </a:p>
           <a:p>
             <a:r>
-              <a:rPr lang="it-IT" dirty="0" err="1"/>
+              <a:rPr lang="it-IT" sz="2400" dirty="0" err="1"/>
               <a:t>pwd</a:t>
             </a:r>
-            <a:endParaRPr lang="it-IT" dirty="0"/>
-          </a:p>
-          <a:p>
-            <a:r>
-              <a:rPr lang="it-IT" dirty="0" err="1"/>
+            <a:endParaRPr lang="it-IT" sz="2400" dirty="0"/>
+          </a:p>
+          <a:p>
+            <a:r>
+              <a:rPr lang="it-IT" sz="2400" dirty="0" err="1"/>
               <a:t>basename</a:t>
             </a:r>
-            <a:endParaRPr lang="it-IT" dirty="0"/>
-          </a:p>
-          <a:p>
-            <a:r>
-              <a:rPr lang="it-IT" dirty="0" err="1"/>
+            <a:endParaRPr lang="it-IT" sz="2400" dirty="0"/>
+          </a:p>
+          <a:p>
+            <a:r>
+              <a:rPr lang="it-IT" sz="2400" dirty="0" err="1"/>
               <a:t>dirname</a:t>
             </a:r>
-            <a:endParaRPr lang="it-IT" dirty="0"/>
-          </a:p>
-          <a:p>
-            <a:r>
-              <a:rPr lang="it-IT" dirty="0" err="1"/>
+            <a:endParaRPr lang="it-IT" sz="2400" dirty="0"/>
+          </a:p>
+          <a:p>
+            <a:r>
+              <a:rPr lang="it-IT" sz="2400" dirty="0" err="1"/>
               <a:t>cp</a:t>
             </a:r>
             <a:r>
-              <a:rPr lang="it-IT" dirty="0"/>
-              <a:t> [</a:t>
-            </a:r>
-            <a:r>
-              <a:rPr lang="it-IT" dirty="0" err="1"/>
-              <a:t>rv</a:t>
-            </a:r>
-            <a:r>
-              <a:rPr lang="it-IT" dirty="0"/>
+              <a:rPr lang="it-IT" sz="2400" dirty="0"/>
+              <a:t> </a:t>
+            </a:r>
+            <a:r>
+              <a:rPr lang="it-IT" sz="2400" dirty="0">
+                <a:solidFill>
+                  <a:schemeClr val="accent6">
+                    <a:lumMod val="75000"/>
+                  </a:schemeClr>
+                </a:solidFill>
+              </a:rPr>
+              <a:t>[</a:t>
+            </a:r>
+            <a:r>
+              <a:rPr lang="it-IT" sz="2400" dirty="0" err="1">
+                <a:solidFill>
+                  <a:schemeClr val="accent6">
+                    <a:lumMod val="75000"/>
+                  </a:schemeClr>
+                </a:solidFill>
+              </a:rPr>
+              <a:t>r</a:t>
+            </a:r>
+            <a:r>
+              <a:rPr lang="it-IT" sz="2400" dirty="0">
+                <a:solidFill>
+                  <a:schemeClr val="accent6">
+                    <a:lumMod val="75000"/>
+                  </a:schemeClr>
+                </a:solidFill>
+              </a:rPr>
               <a:t>]</a:t>
             </a:r>
           </a:p>
           <a:p>
             <a:r>
-              <a:rPr lang="it-IT" dirty="0"/>
+              <a:rPr lang="it-IT" sz="2400" dirty="0"/>
               <a:t>mv</a:t>
             </a:r>
           </a:p>
           <a:p>
             <a:r>
-              <a:rPr lang="it-IT" dirty="0"/>
-              <a:t>ln [</a:t>
-            </a:r>
-            <a:r>
-              <a:rPr lang="it-IT" dirty="0" err="1"/>
+              <a:rPr lang="it-IT" sz="2400" dirty="0"/>
+              <a:t>ln </a:t>
+            </a:r>
+            <a:r>
+              <a:rPr lang="it-IT" sz="2400" dirty="0">
+                <a:solidFill>
+                  <a:schemeClr val="accent6">
+                    <a:lumMod val="75000"/>
+                  </a:schemeClr>
+                </a:solidFill>
+              </a:rPr>
+              <a:t>[</a:t>
+            </a:r>
+            <a:r>
+              <a:rPr lang="it-IT" sz="2400" dirty="0" err="1">
+                <a:solidFill>
+                  <a:schemeClr val="accent6">
+                    <a:lumMod val="75000"/>
+                  </a:schemeClr>
+                </a:solidFill>
+              </a:rPr>
               <a:t>s</a:t>
             </a:r>
             <a:r>
-              <a:rPr lang="it-IT" dirty="0"/>
+              <a:rPr lang="it-IT" sz="2400" dirty="0">
+                <a:solidFill>
+                  <a:schemeClr val="accent6">
+                    <a:lumMod val="75000"/>
+                  </a:schemeClr>
+                </a:solidFill>
+              </a:rPr>
               <a:t>]</a:t>
             </a:r>
           </a:p>
           <a:p>
             <a:r>
-              <a:rPr lang="it-IT" dirty="0" err="1"/>
+              <a:rPr lang="it-IT" sz="2400" dirty="0" err="1"/>
               <a:t>rm</a:t>
             </a:r>
             <a:r>
-              <a:rPr lang="it-IT" dirty="0"/>
-              <a:t> [</a:t>
-            </a:r>
-            <a:r>
-              <a:rPr lang="it-IT" dirty="0" err="1"/>
+              <a:rPr lang="it-IT" sz="2400" dirty="0"/>
+              <a:t> </a:t>
+            </a:r>
+            <a:r>
+              <a:rPr lang="it-IT" sz="2400" dirty="0">
+                <a:solidFill>
+                  <a:schemeClr val="accent6">
+                    <a:lumMod val="75000"/>
+                  </a:schemeClr>
+                </a:solidFill>
+              </a:rPr>
+              <a:t>[</a:t>
+            </a:r>
+            <a:r>
+              <a:rPr lang="it-IT" sz="2400" dirty="0" err="1">
+                <a:solidFill>
+                  <a:schemeClr val="accent6">
+                    <a:lumMod val="75000"/>
+                  </a:schemeClr>
+                </a:solidFill>
+              </a:rPr>
               <a:t>rf</a:t>
             </a:r>
             <a:r>
-              <a:rPr lang="it-IT" dirty="0"/>
+              <a:rPr lang="it-IT" sz="2400" dirty="0">
+                <a:solidFill>
+                  <a:schemeClr val="accent6">
+                    <a:lumMod val="75000"/>
+                  </a:schemeClr>
+                </a:solidFill>
+              </a:rPr>
               <a:t>] </a:t>
             </a:r>
           </a:p>
           <a:p>
             <a:r>
-              <a:rPr lang="it-IT" dirty="0" err="1"/>
+              <a:rPr lang="it-IT" sz="2400" dirty="0" err="1"/>
               <a:t>mkdir</a:t>
             </a:r>
             <a:r>
-              <a:rPr lang="it-IT" dirty="0"/>
-              <a:t> [</a:t>
-            </a:r>
-            <a:r>
-              <a:rPr lang="it-IT" dirty="0" err="1"/>
+              <a:rPr lang="it-IT" sz="2400" dirty="0"/>
+              <a:t> </a:t>
+            </a:r>
+            <a:r>
+              <a:rPr lang="it-IT" sz="2400" dirty="0">
+                <a:solidFill>
+                  <a:schemeClr val="accent6">
+                    <a:lumMod val="75000"/>
+                  </a:schemeClr>
+                </a:solidFill>
+              </a:rPr>
+              <a:t>[</a:t>
+            </a:r>
+            <a:r>
+              <a:rPr lang="it-IT" sz="2400" dirty="0" err="1">
+                <a:solidFill>
+                  <a:schemeClr val="accent6">
+                    <a:lumMod val="75000"/>
+                  </a:schemeClr>
+                </a:solidFill>
+              </a:rPr>
               <a:t>p</a:t>
             </a:r>
             <a:r>
-              <a:rPr lang="it-IT" dirty="0"/>
+              <a:rPr lang="it-IT" sz="2400" dirty="0">
+                <a:solidFill>
+                  <a:schemeClr val="accent6">
+                    <a:lumMod val="75000"/>
+                  </a:schemeClr>
+                </a:solidFill>
+              </a:rPr>
               <a:t>]</a:t>
             </a:r>
           </a:p>
           <a:p>
             <a:r>
-              <a:rPr lang="it-IT" dirty="0" err="1"/>
+              <a:rPr lang="it-IT" sz="2400" dirty="0" err="1"/>
               <a:t>rmdir</a:t>
             </a:r>
             <a:r>
-              <a:rPr lang="it-IT" dirty="0"/>
-              <a:t> [</a:t>
-            </a:r>
-            <a:r>
-              <a:rPr lang="it-IT" dirty="0" err="1"/>
+              <a:rPr lang="it-IT" sz="2400" dirty="0"/>
+              <a:t> </a:t>
+            </a:r>
+            <a:r>
+              <a:rPr lang="it-IT" sz="2400" dirty="0">
+                <a:solidFill>
+                  <a:schemeClr val="accent6">
+                    <a:lumMod val="75000"/>
+                  </a:schemeClr>
+                </a:solidFill>
+              </a:rPr>
+              <a:t>[</a:t>
+            </a:r>
+            <a:r>
+              <a:rPr lang="it-IT" sz="2400" dirty="0" err="1">
+                <a:solidFill>
+                  <a:schemeClr val="accent6">
+                    <a:lumMod val="75000"/>
+                  </a:schemeClr>
+                </a:solidFill>
+              </a:rPr>
               <a:t>p</a:t>
             </a:r>
             <a:r>
-              <a:rPr lang="it-IT" dirty="0"/>
+              <a:rPr lang="it-IT" sz="2400" dirty="0">
+                <a:solidFill>
+                  <a:schemeClr val="accent6">
+                    <a:lumMod val="75000"/>
+                  </a:schemeClr>
+                </a:solidFill>
+              </a:rPr>
               <a:t>]</a:t>
             </a:r>
           </a:p>
@@ -4085,89 +4217,133 @@
           <a:lstStyle/>
           <a:p>
             <a:r>
-              <a:rPr lang="it-IT" dirty="0" err="1"/>
+              <a:rPr lang="it-IT" sz="2400" dirty="0" err="1"/>
               <a:t>which</a:t>
             </a:r>
-            <a:endParaRPr lang="it-IT" dirty="0"/>
-          </a:p>
-          <a:p>
-            <a:r>
-              <a:rPr lang="it-IT" dirty="0"/>
+            <a:endParaRPr lang="it-IT" sz="2400" dirty="0"/>
+          </a:p>
+          <a:p>
+            <a:r>
+              <a:rPr lang="it-IT" sz="2400" dirty="0"/>
               <a:t>locate</a:t>
             </a:r>
           </a:p>
           <a:p>
             <a:r>
-              <a:rPr lang="it-IT" dirty="0" err="1"/>
+              <a:rPr lang="it-IT" sz="2400" dirty="0" err="1"/>
               <a:t>touch</a:t>
             </a:r>
-            <a:endParaRPr lang="it-IT" dirty="0"/>
-          </a:p>
-          <a:p>
-            <a:r>
-              <a:rPr lang="it-IT" dirty="0" err="1"/>
+            <a:endParaRPr lang="it-IT" sz="2400" dirty="0"/>
+          </a:p>
+          <a:p>
+            <a:r>
+              <a:rPr lang="it-IT" sz="2400" dirty="0" err="1"/>
               <a:t>chmod</a:t>
             </a:r>
             <a:r>
-              <a:rPr lang="it-IT" dirty="0"/>
-              <a:t> [</a:t>
-            </a:r>
-            <a:r>
-              <a:rPr lang="it-IT" dirty="0" err="1"/>
+              <a:rPr lang="it-IT" sz="2400" dirty="0"/>
+              <a:t> </a:t>
+            </a:r>
+            <a:r>
+              <a:rPr lang="it-IT" sz="2400" dirty="0">
+                <a:solidFill>
+                  <a:schemeClr val="accent6">
+                    <a:lumMod val="75000"/>
+                  </a:schemeClr>
+                </a:solidFill>
+              </a:rPr>
+              <a:t>[</a:t>
+            </a:r>
+            <a:r>
+              <a:rPr lang="it-IT" sz="2400" dirty="0" err="1">
+                <a:solidFill>
+                  <a:schemeClr val="accent6">
+                    <a:lumMod val="75000"/>
+                  </a:schemeClr>
+                </a:solidFill>
+              </a:rPr>
               <a:t>R</a:t>
             </a:r>
             <a:r>
-              <a:rPr lang="it-IT" dirty="0"/>
+              <a:rPr lang="it-IT" sz="2400" dirty="0">
+                <a:solidFill>
+                  <a:schemeClr val="accent6">
+                    <a:lumMod val="75000"/>
+                  </a:schemeClr>
+                </a:solidFill>
+              </a:rPr>
               <a:t>]</a:t>
             </a:r>
           </a:p>
           <a:p>
             <a:r>
-              <a:rPr lang="it-IT" dirty="0" err="1"/>
+              <a:rPr lang="it-IT" sz="2400" dirty="0" err="1"/>
               <a:t>chown</a:t>
             </a:r>
             <a:r>
-              <a:rPr lang="it-IT" dirty="0"/>
-              <a:t> [</a:t>
-            </a:r>
-            <a:r>
-              <a:rPr lang="it-IT" dirty="0" err="1"/>
+              <a:rPr lang="it-IT" sz="2400" dirty="0"/>
+              <a:t> </a:t>
+            </a:r>
+            <a:r>
+              <a:rPr lang="it-IT" sz="2400" dirty="0">
+                <a:solidFill>
+                  <a:schemeClr val="accent6">
+                    <a:lumMod val="75000"/>
+                  </a:schemeClr>
+                </a:solidFill>
+              </a:rPr>
+              <a:t>[</a:t>
+            </a:r>
+            <a:r>
+              <a:rPr lang="it-IT" sz="2400" dirty="0" err="1">
+                <a:solidFill>
+                  <a:schemeClr val="accent6">
+                    <a:lumMod val="75000"/>
+                  </a:schemeClr>
+                </a:solidFill>
+              </a:rPr>
               <a:t>R</a:t>
             </a:r>
             <a:r>
-              <a:rPr lang="it-IT" dirty="0"/>
+              <a:rPr lang="it-IT" sz="2400" dirty="0">
+                <a:solidFill>
+                  <a:schemeClr val="accent6">
+                    <a:lumMod val="75000"/>
+                  </a:schemeClr>
+                </a:solidFill>
+              </a:rPr>
               <a:t>]</a:t>
             </a:r>
           </a:p>
           <a:p>
             <a:r>
-              <a:rPr lang="it-IT" dirty="0" err="1"/>
+              <a:rPr lang="it-IT" sz="2400" dirty="0" err="1"/>
               <a:t>cmp</a:t>
             </a:r>
-            <a:endParaRPr lang="it-IT" dirty="0"/>
-          </a:p>
-          <a:p>
-            <a:r>
-              <a:rPr lang="it-IT" dirty="0" err="1"/>
+            <a:endParaRPr lang="it-IT" sz="2400" dirty="0"/>
+          </a:p>
+          <a:p>
+            <a:r>
+              <a:rPr lang="it-IT" sz="2400" dirty="0" err="1"/>
               <a:t>diff</a:t>
             </a:r>
-            <a:endParaRPr lang="it-IT" dirty="0"/>
-          </a:p>
-          <a:p>
-            <a:r>
-              <a:rPr lang="it-IT" dirty="0" err="1"/>
+            <a:endParaRPr lang="it-IT" sz="2400" dirty="0"/>
+          </a:p>
+          <a:p>
+            <a:r>
+              <a:rPr lang="it-IT" sz="2400" dirty="0" err="1"/>
               <a:t>find</a:t>
             </a:r>
-            <a:endParaRPr lang="it-IT" dirty="0"/>
+            <a:endParaRPr lang="it-IT" sz="2400" dirty="0"/>
           </a:p>
           <a:p>
             <a:pPr marL="0" indent="0">
               <a:buNone/>
             </a:pPr>
-            <a:endParaRPr lang="en-GB" dirty="0"/>
-          </a:p>
-          <a:p>
-            <a:endParaRPr lang="en-GB" dirty="0"/>
+            <a:endParaRPr lang="en-GB" sz="2400" dirty="0"/>
+          </a:p>
+          <a:p>
+            <a:endParaRPr lang="en-GB" sz="2400" dirty="0"/>
           </a:p>
         </p:txBody>
       </p:sp>
@@ -4273,135 +4449,304 @@
             <a:spLocks noGrp="1"/>
           </p:cNvSpPr>
           <p:nvPr>
-            <p:ph idx="1"/>
+            <p:ph sz="half" idx="1"/>
           </p:nvPr>
         </p:nvSpPr>
         <p:spPr/>
         <p:txBody>
-          <a:bodyPr/>
+          <a:bodyPr>
+            <a:normAutofit/>
+          </a:bodyPr>
           <a:lstStyle/>
           <a:p>
             <a:r>
-              <a:rPr lang="it-IT" dirty="0" err="1"/>
+              <a:rPr lang="it-IT" sz="2400" dirty="0" err="1"/>
               <a:t>cat</a:t>
             </a:r>
-            <a:endParaRPr lang="it-IT" dirty="0"/>
-          </a:p>
-          <a:p>
-            <a:r>
-              <a:rPr lang="it-IT" dirty="0" err="1"/>
+            <a:endParaRPr lang="it-IT" sz="2400" dirty="0"/>
+          </a:p>
+          <a:p>
+            <a:r>
+              <a:rPr lang="it-IT" sz="2400" dirty="0" err="1"/>
               <a:t>grep</a:t>
             </a:r>
             <a:r>
-              <a:rPr lang="it-IT" dirty="0"/>
-              <a:t> [v] </a:t>
-            </a:r>
-          </a:p>
-          <a:p>
-            <a:r>
-              <a:rPr lang="it-IT" dirty="0" err="1"/>
+              <a:rPr lang="it-IT" sz="2400" dirty="0"/>
+              <a:t> </a:t>
+            </a:r>
+            <a:r>
+              <a:rPr lang="it-IT" sz="2400" dirty="0">
+                <a:solidFill>
+                  <a:schemeClr val="accent6">
+                    <a:lumMod val="75000"/>
+                  </a:schemeClr>
+                </a:solidFill>
+              </a:rPr>
+              <a:t>[v] </a:t>
+            </a:r>
+          </a:p>
+          <a:p>
+            <a:r>
+              <a:rPr lang="it-IT" sz="2400" dirty="0" err="1"/>
               <a:t>sort</a:t>
             </a:r>
             <a:r>
-              <a:rPr lang="it-IT" dirty="0"/>
-              <a:t> [</a:t>
-            </a:r>
-            <a:r>
-              <a:rPr lang="it-IT" dirty="0" err="1"/>
+              <a:rPr lang="it-IT" sz="2400" dirty="0"/>
+              <a:t> </a:t>
+            </a:r>
+            <a:r>
+              <a:rPr lang="it-IT" sz="2400" dirty="0">
+                <a:solidFill>
+                  <a:schemeClr val="accent6">
+                    <a:lumMod val="75000"/>
+                  </a:schemeClr>
+                </a:solidFill>
+              </a:rPr>
+              <a:t>[</a:t>
+            </a:r>
+            <a:r>
+              <a:rPr lang="it-IT" sz="2400" dirty="0" err="1">
+                <a:solidFill>
+                  <a:schemeClr val="accent6">
+                    <a:lumMod val="75000"/>
+                  </a:schemeClr>
+                </a:solidFill>
+              </a:rPr>
               <a:t>r</a:t>
             </a:r>
             <a:r>
-              <a:rPr lang="it-IT" dirty="0"/>
+              <a:rPr lang="it-IT" sz="2400" dirty="0">
+                <a:solidFill>
+                  <a:schemeClr val="accent6">
+                    <a:lumMod val="75000"/>
+                  </a:schemeClr>
+                </a:solidFill>
+              </a:rPr>
               <a:t>]</a:t>
             </a:r>
           </a:p>
           <a:p>
             <a:r>
-              <a:rPr lang="it-IT" dirty="0"/>
-              <a:t>head [</a:t>
-            </a:r>
-            <a:r>
-              <a:rPr lang="it-IT" dirty="0" err="1"/>
+              <a:rPr lang="it-IT" sz="2400" dirty="0"/>
+              <a:t>head </a:t>
+            </a:r>
+            <a:r>
+              <a:rPr lang="it-IT" sz="2400" dirty="0">
+                <a:solidFill>
+                  <a:schemeClr val="accent6">
+                    <a:lumMod val="75000"/>
+                  </a:schemeClr>
+                </a:solidFill>
+              </a:rPr>
+              <a:t>[</a:t>
+            </a:r>
+            <a:r>
+              <a:rPr lang="it-IT" sz="2400" dirty="0" err="1">
+                <a:solidFill>
+                  <a:schemeClr val="accent6">
+                    <a:lumMod val="75000"/>
+                  </a:schemeClr>
+                </a:solidFill>
+              </a:rPr>
               <a:t>n</a:t>
             </a:r>
             <a:r>
-              <a:rPr lang="it-IT" dirty="0"/>
+              <a:rPr lang="it-IT" sz="2400" dirty="0">
+                <a:solidFill>
+                  <a:schemeClr val="accent6">
+                    <a:lumMod val="75000"/>
+                  </a:schemeClr>
+                </a:solidFill>
+              </a:rPr>
               <a:t>]</a:t>
             </a:r>
           </a:p>
           <a:p>
             <a:r>
-              <a:rPr lang="it-IT" dirty="0" err="1"/>
+              <a:rPr lang="it-IT" sz="2400" dirty="0" err="1"/>
               <a:t>tail</a:t>
             </a:r>
             <a:r>
-              <a:rPr lang="it-IT" dirty="0"/>
-              <a:t> [</a:t>
-            </a:r>
-            <a:r>
-              <a:rPr lang="it-IT" dirty="0" err="1"/>
+              <a:rPr lang="it-IT" sz="2400" dirty="0"/>
+              <a:t> </a:t>
+            </a:r>
+            <a:r>
+              <a:rPr lang="it-IT" sz="2400" dirty="0">
+                <a:solidFill>
+                  <a:schemeClr val="accent6">
+                    <a:lumMod val="75000"/>
+                  </a:schemeClr>
+                </a:solidFill>
+              </a:rPr>
+              <a:t>[</a:t>
+            </a:r>
+            <a:r>
+              <a:rPr lang="it-IT" sz="2400" dirty="0" err="1">
+                <a:solidFill>
+                  <a:schemeClr val="accent6">
+                    <a:lumMod val="75000"/>
+                  </a:schemeClr>
+                </a:solidFill>
+              </a:rPr>
               <a:t>n</a:t>
             </a:r>
             <a:r>
-              <a:rPr lang="it-IT" dirty="0"/>
+              <a:rPr lang="it-IT" sz="2400" dirty="0">
+                <a:solidFill>
+                  <a:schemeClr val="accent6">
+                    <a:lumMod val="75000"/>
+                  </a:schemeClr>
+                </a:solidFill>
+              </a:rPr>
               <a:t>]</a:t>
             </a:r>
           </a:p>
           <a:p>
             <a:r>
-              <a:rPr lang="it-IT" dirty="0" err="1"/>
+              <a:rPr lang="it-IT" sz="2400" dirty="0" err="1"/>
               <a:t>cut</a:t>
             </a:r>
             <a:r>
-              <a:rPr lang="it-IT" dirty="0"/>
-              <a:t> [</a:t>
-            </a:r>
-            <a:r>
-              <a:rPr lang="it-IT" dirty="0" err="1"/>
+              <a:rPr lang="it-IT" sz="2400" dirty="0"/>
+              <a:t> </a:t>
+            </a:r>
+            <a:r>
+              <a:rPr lang="it-IT" sz="2400" dirty="0">
+                <a:solidFill>
+                  <a:schemeClr val="accent6">
+                    <a:lumMod val="75000"/>
+                  </a:schemeClr>
+                </a:solidFill>
+              </a:rPr>
+              <a:t>[</a:t>
+            </a:r>
+            <a:r>
+              <a:rPr lang="it-IT" sz="2400" dirty="0" err="1">
+                <a:solidFill>
+                  <a:schemeClr val="accent6">
+                    <a:lumMod val="75000"/>
+                  </a:schemeClr>
+                </a:solidFill>
+              </a:rPr>
               <a:t>df</a:t>
             </a:r>
             <a:r>
-              <a:rPr lang="it-IT" dirty="0"/>
+              <a:rPr lang="it-IT" sz="2400" dirty="0">
+                <a:solidFill>
+                  <a:schemeClr val="accent6">
+                    <a:lumMod val="75000"/>
+                  </a:schemeClr>
+                </a:solidFill>
+              </a:rPr>
               <a:t>]</a:t>
             </a:r>
           </a:p>
           <a:p>
             <a:r>
-              <a:rPr lang="it-IT" dirty="0"/>
-              <a:t>wc [</a:t>
-            </a:r>
-            <a:r>
-              <a:rPr lang="it-IT" dirty="0" err="1"/>
+              <a:rPr lang="it-IT" sz="2400" dirty="0"/>
+              <a:t>wc </a:t>
+            </a:r>
+            <a:r>
+              <a:rPr lang="it-IT" sz="2400" dirty="0">
+                <a:solidFill>
+                  <a:schemeClr val="accent6">
+                    <a:lumMod val="75000"/>
+                  </a:schemeClr>
+                </a:solidFill>
+              </a:rPr>
+              <a:t>[</a:t>
+            </a:r>
+            <a:r>
+              <a:rPr lang="it-IT" sz="2400" dirty="0" err="1">
+                <a:solidFill>
+                  <a:schemeClr val="accent6">
+                    <a:lumMod val="75000"/>
+                  </a:schemeClr>
+                </a:solidFill>
+              </a:rPr>
               <a:t>cwl</a:t>
             </a:r>
             <a:r>
-              <a:rPr lang="it-IT" dirty="0"/>
+              <a:rPr lang="it-IT" sz="2400" dirty="0">
+                <a:solidFill>
+                  <a:schemeClr val="accent6">
+                    <a:lumMod val="75000"/>
+                  </a:schemeClr>
+                </a:solidFill>
+              </a:rPr>
               <a:t>]</a:t>
             </a:r>
           </a:p>
           <a:p>
             <a:r>
-              <a:rPr lang="it-IT" dirty="0" err="1"/>
+              <a:rPr lang="it-IT" sz="2400" dirty="0" err="1"/>
               <a:t>tr</a:t>
             </a:r>
-            <a:endParaRPr lang="it-IT" dirty="0"/>
-          </a:p>
-          <a:p>
-            <a:r>
-              <a:rPr lang="it-IT" dirty="0" err="1"/>
+            <a:endParaRPr lang="it-IT" sz="2400" dirty="0"/>
+          </a:p>
+          <a:p>
+            <a:r>
+              <a:rPr lang="it-IT" sz="2400" dirty="0" err="1"/>
               <a:t>uniq</a:t>
             </a:r>
             <a:r>
-              <a:rPr lang="it-IT" dirty="0"/>
-              <a:t> [u]</a:t>
-            </a:r>
-          </a:p>
-          <a:p>
-            <a:r>
-              <a:rPr lang="it-IT" dirty="0" err="1"/>
+              <a:rPr lang="it-IT" sz="2400" dirty="0"/>
+              <a:t> </a:t>
+            </a:r>
+            <a:r>
+              <a:rPr lang="it-IT" sz="2400" dirty="0">
+                <a:solidFill>
+                  <a:schemeClr val="accent6">
+                    <a:lumMod val="75000"/>
+                  </a:schemeClr>
+                </a:solidFill>
+              </a:rPr>
+              <a:t>[u]</a:t>
+            </a:r>
+          </a:p>
+          <a:p>
+            <a:r>
+              <a:rPr lang="it-IT" sz="2400" dirty="0"/>
+              <a:t>tee</a:t>
+            </a:r>
+          </a:p>
+        </p:txBody>
+      </p:sp>
+      <p:sp>
+        <p:nvSpPr>
+          <p:cNvPr id="5" name="Content Placeholder 4">
+            <a:extLst>
+              <a:ext uri="{FF2B5EF4-FFF2-40B4-BE49-F238E27FC236}">
+                <a16:creationId xmlns:a16="http://schemas.microsoft.com/office/drawing/2014/main" id="{14793B4D-918C-1140-83CE-4A9361AA2B0D}"/>
+              </a:ext>
+            </a:extLst>
+          </p:cNvPr>
+          <p:cNvSpPr>
+            <a:spLocks noGrp="1"/>
+          </p:cNvSpPr>
+          <p:nvPr>
+            <p:ph sz="half" idx="2"/>
+          </p:nvPr>
+        </p:nvSpPr>
+        <p:spPr/>
+        <p:txBody>
+          <a:bodyPr>
+            <a:normAutofit/>
+          </a:bodyPr>
+          <a:lstStyle/>
+          <a:p>
+            <a:r>
+              <a:rPr lang="en-GB" sz="2400" i="1" dirty="0" err="1"/>
               <a:t>sed</a:t>
             </a:r>
-            <a:endParaRPr lang="it-IT" dirty="0"/>
+            <a:endParaRPr lang="en-GB" sz="2400" i="1" dirty="0"/>
+          </a:p>
+          <a:p>
+            <a:r>
+              <a:rPr lang="en-GB" sz="2400" i="1" dirty="0" err="1"/>
+              <a:t>awk</a:t>
+            </a:r>
+            <a:endParaRPr lang="en-GB" sz="2400" i="1" dirty="0"/>
           </a:p>
         </p:txBody>
       </p:sp>
@@ -4521,14 +4866,36 @@
             </a:r>
             <a:r>
               <a:rPr lang="it-IT" dirty="0"/>
-              <a:t> [</a:t>
-            </a:r>
-            <a:r>
-              <a:rPr lang="it-IT" dirty="0" err="1"/>
-              <a:t>aux</a:t>
-            </a:r>
-            <a:r>
-              <a:rPr lang="it-IT" dirty="0"/>
+              <a:t> </a:t>
+            </a:r>
+            <a:r>
+              <a:rPr lang="it-IT" dirty="0">
+                <a:solidFill>
+                  <a:schemeClr val="accent6">
+                    <a:lumMod val="75000"/>
+                  </a:schemeClr>
+                </a:solidFill>
+              </a:rPr>
+              <a:t>[</a:t>
+            </a:r>
+            <a:r>
+              <a:rPr lang="it-IT" dirty="0" err="1">
+                <a:solidFill>
+                  <a:schemeClr val="accent6">
+                    <a:lumMod val="75000"/>
+                  </a:schemeClr>
+                </a:solidFill>
+              </a:rPr>
+              <a:t>aux|fax</a:t>
+            </a:r>
+            <a:r>
+              <a:rPr lang="it-IT" dirty="0">
+                <a:solidFill>
+                  <a:schemeClr val="accent6">
+                    <a:lumMod val="75000"/>
+                  </a:schemeClr>
+                </a:solidFill>
+              </a:rPr>
               <a:t>]</a:t>
             </a:r>
           </a:p>
@@ -4545,14 +4912,36 @@
             </a:r>
             <a:r>
               <a:rPr lang="it-IT" dirty="0"/>
-              <a:t> [</a:t>
-            </a:r>
-            <a:r>
-              <a:rPr lang="it-IT" dirty="0" err="1"/>
+              <a:t> </a:t>
+            </a:r>
+            <a:r>
+              <a:rPr lang="it-IT" dirty="0">
+                <a:solidFill>
+                  <a:schemeClr val="accent6">
+                    <a:lumMod val="75000"/>
+                  </a:schemeClr>
+                </a:solidFill>
+              </a:rPr>
+              <a:t>[</a:t>
+            </a:r>
+            <a:r>
+              <a:rPr lang="it-IT" dirty="0" err="1">
+                <a:solidFill>
+                  <a:schemeClr val="accent6">
+                    <a:lumMod val="75000"/>
+                  </a:schemeClr>
+                </a:solidFill>
+              </a:rPr>
               <a:t>s</a:t>
             </a:r>
             <a:r>
-              <a:rPr lang="it-IT" dirty="0"/>
+              <a:rPr lang="it-IT" dirty="0">
+                <a:solidFill>
+                  <a:schemeClr val="accent6">
+                    <a:lumMod val="75000"/>
+                  </a:schemeClr>
+                </a:solidFill>
+              </a:rPr>
               <a:t>] </a:t>
             </a:r>
           </a:p>
@@ -4691,7 +5080,37 @@
           <a:p>
             <a:r>
               <a:rPr lang="en-GB" dirty="0"/>
-              <a:t>tar</a:t>
+              <a:t>tar </a:t>
+            </a:r>
+            <a:r>
+              <a:rPr lang="en-GB" dirty="0">
+                <a:solidFill>
+                  <a:schemeClr val="accent6">
+                    <a:lumMod val="75000"/>
+                  </a:schemeClr>
+                </a:solidFill>
+              </a:rPr>
+              <a:t>[</a:t>
+            </a:r>
+            <a:r>
+              <a:rPr lang="en-GB" dirty="0" err="1">
+                <a:solidFill>
+                  <a:schemeClr val="accent6">
+                    <a:lumMod val="75000"/>
+                  </a:schemeClr>
+                </a:solidFill>
+              </a:rPr>
+              <a:t>czf|xzf</a:t>
+            </a:r>
+            <a:r>
+              <a:rPr lang="en-GB" dirty="0">
+                <a:solidFill>
+                  <a:schemeClr val="accent6">
+                    <a:lumMod val="75000"/>
+                  </a:schemeClr>
+                </a:solidFill>
+              </a:rPr>
+              <a:t>]</a:t>
             </a:r>
           </a:p>
           <a:p>
@@ -4699,12 +5118,35 @@
               <a:rPr lang="en-GB" dirty="0" err="1"/>
               <a:t>gzip</a:t>
             </a:r>
-            <a:endParaRPr lang="en-GB" dirty="0"/>
-          </a:p>
-          <a:p>
             <a:r>
               <a:rPr lang="en-GB" dirty="0"/>
-              <a:t>bzip2</a:t>
+              <a:t> </a:t>
+            </a:r>
+            <a:r>
+              <a:rPr lang="en-GB" dirty="0">
+                <a:solidFill>
+                  <a:schemeClr val="accent6">
+                    <a:lumMod val="75000"/>
+                  </a:schemeClr>
+                </a:solidFill>
+              </a:rPr>
+              <a:t>[d]</a:t>
+            </a:r>
+          </a:p>
+          <a:p>
+            <a:r>
+              <a:rPr lang="en-GB" dirty="0"/>
+              <a:t>bzip2 </a:t>
+            </a:r>
+            <a:r>
+              <a:rPr lang="en-GB" dirty="0">
+                <a:solidFill>
+                  <a:schemeClr val="accent6">
+                    <a:lumMod val="75000"/>
+                  </a:schemeClr>
+                </a:solidFill>
+              </a:rPr>
+              <a:t>[d]</a:t>
             </a:r>
           </a:p>
           <a:p>
@@ -4824,7 +5266,23 @@
           <a:p>
             <a:r>
               <a:rPr lang="en-GB" dirty="0"/>
-              <a:t>echo</a:t>
+              <a:t>echo </a:t>
+            </a:r>
+            <a:r>
+              <a:rPr lang="en-GB" dirty="0">
+                <a:solidFill>
+                  <a:schemeClr val="accent6">
+                    <a:lumMod val="75000"/>
+                  </a:schemeClr>
+                </a:solidFill>
+              </a:rPr>
+              <a:t>[n]</a:t>
+            </a:r>
+          </a:p>
+          <a:p>
+            <a:r>
+              <a:rPr lang="en-GB" dirty="0"/>
+              <a:t>read</a:t>
             </a:r>
           </a:p>
           <a:p>

--- a/slides/ppt/04_Comandi principali.pptx
+++ b/slides/ppt/04_Comandi principali.pptx
@@ -215,7 +215,7 @@
             <a:fld id="{BAEB7694-8561-4BE2-948D-EDF7A201F8BB}" type="datetimeFigureOut">
               <a:rPr lang="it-IT" smtClean="0"/>
               <a:pPr/>
-              <a:t>27/03/20</a:t>
+              <a:t>01/04/20</a:t>
             </a:fld>
             <a:endParaRPr lang="it-IT"/>
           </a:p>
@@ -5288,6 +5288,18 @@
           <a:p>
             <a:r>
               <a:rPr lang="en-GB" dirty="0"/>
+              <a:t>more</a:t>
+            </a:r>
+          </a:p>
+          <a:p>
+            <a:r>
+              <a:rPr lang="en-GB" dirty="0"/>
+              <a:t>less</a:t>
+            </a:r>
+          </a:p>
+          <a:p>
+            <a:r>
+              <a:rPr lang="en-GB" dirty="0"/>
               <a:t>expr</a:t>
             </a:r>
           </a:p>
@@ -5302,7 +5314,40 @@
               <a:rPr lang="en-GB" dirty="0" err="1"/>
               <a:t>dd</a:t>
             </a:r>
-            <a:endParaRPr lang="en-GB" dirty="0"/>
+            <a:r>
+              <a:rPr lang="en-GB" dirty="0"/>
+              <a:t> </a:t>
+            </a:r>
+            <a:r>
+              <a:rPr lang="en-GB" dirty="0">
+                <a:solidFill>
+                  <a:schemeClr val="accent6">
+                    <a:lumMod val="75000"/>
+                  </a:schemeClr>
+                </a:solidFill>
+              </a:rPr>
+              <a:t>[if, of, </a:t>
+            </a:r>
+            <a:r>
+              <a:rPr lang="en-GB" dirty="0" err="1">
+                <a:solidFill>
+                  <a:schemeClr val="accent6">
+                    <a:lumMod val="75000"/>
+                  </a:schemeClr>
+                </a:solidFill>
+              </a:rPr>
+              <a:t>bs</a:t>
+            </a:r>
+            <a:r>
+              <a:rPr lang="en-GB" dirty="0">
+                <a:solidFill>
+                  <a:schemeClr val="accent6">
+                    <a:lumMod val="75000"/>
+                  </a:schemeClr>
+                </a:solidFill>
+              </a:rPr>
+              <a:t>, count]</a:t>
+            </a:r>
           </a:p>
         </p:txBody>
       </p:sp>

--- a/slides/ppt/04_Comandi principali.pptx
+++ b/slides/ppt/04_Comandi principali.pptx
@@ -5,7 +5,7 @@
     <p:sldMasterId id="2147483672" r:id="rId1"/>
   </p:sldMasterIdLst>
   <p:notesMasterIdLst>
-    <p:notesMasterId r:id="rId9"/>
+    <p:notesMasterId r:id="rId10"/>
   </p:notesMasterIdLst>
   <p:sldIdLst>
     <p:sldId id="256" r:id="rId2"/>
@@ -13,8 +13,9 @@
     <p:sldId id="421" r:id="rId4"/>
     <p:sldId id="426" r:id="rId5"/>
     <p:sldId id="424" r:id="rId6"/>
-    <p:sldId id="427" r:id="rId7"/>
-    <p:sldId id="425" r:id="rId8"/>
+    <p:sldId id="428" r:id="rId7"/>
+    <p:sldId id="427" r:id="rId8"/>
+    <p:sldId id="425" r:id="rId9"/>
   </p:sldIdLst>
   <p:sldSz cx="9144000" cy="6858000" type="screen4x3"/>
   <p:notesSz cx="6858000" cy="9144000"/>
@@ -4736,6 +4737,18 @@
           <a:lstStyle/>
           <a:p>
             <a:r>
+              <a:rPr lang="en-GB" sz="2400" dirty="0"/>
+              <a:t>more</a:t>
+            </a:r>
+          </a:p>
+          <a:p>
+            <a:r>
+              <a:rPr lang="en-GB" sz="2400" dirty="0"/>
+              <a:t>less</a:t>
+            </a:r>
+          </a:p>
+          <a:p>
+            <a:r>
               <a:rPr lang="en-GB" sz="2400" i="1" dirty="0" err="1"/>
               <a:t>sed</a:t>
             </a:r>
@@ -5033,7 +5046,7 @@
           <p:cNvPr id="2" name="Title 1">
             <a:extLst>
               <a:ext uri="{FF2B5EF4-FFF2-40B4-BE49-F238E27FC236}">
-                <a16:creationId xmlns:a16="http://schemas.microsoft.com/office/drawing/2014/main" id="{FE0CC6C3-07E4-1B40-B646-207EF6AE765F}"/>
+                <a16:creationId xmlns:a16="http://schemas.microsoft.com/office/drawing/2014/main" id="{48EB375F-1A0C-9C49-BE05-4C3303542FD2}"/>
               </a:ext>
             </a:extLst>
           </p:cNvPr>
@@ -5051,7 +5064,7 @@
           <a:p>
             <a:r>
               <a:rPr lang="en-GB" dirty="0" err="1"/>
-              <a:t>Compressione</a:t>
+              <a:t>Utenti</a:t>
             </a:r>
             <a:endParaRPr lang="en-GB" dirty="0"/>
           </a:p>
@@ -5062,7 +5075,7 @@
           <p:cNvPr id="3" name="Content Placeholder 2">
             <a:extLst>
               <a:ext uri="{FF2B5EF4-FFF2-40B4-BE49-F238E27FC236}">
-                <a16:creationId xmlns:a16="http://schemas.microsoft.com/office/drawing/2014/main" id="{102F8CF8-6DEA-6D4D-BE1F-A3219A12F9B0}"/>
+                <a16:creationId xmlns:a16="http://schemas.microsoft.com/office/drawing/2014/main" id="{90F1ED2E-12A8-C149-8C05-43A8E3AAA4D8}"/>
               </a:ext>
             </a:extLst>
           </p:cNvPr>
@@ -5079,77 +5092,29 @@
           <a:lstStyle/>
           <a:p>
             <a:r>
-              <a:rPr lang="en-GB" dirty="0"/>
-              <a:t>tar </a:t>
-            </a:r>
-            <a:r>
-              <a:rPr lang="en-GB" dirty="0">
-                <a:solidFill>
-                  <a:schemeClr val="accent6">
-                    <a:lumMod val="75000"/>
-                  </a:schemeClr>
-                </a:solidFill>
-              </a:rPr>
-              <a:t>[</a:t>
-            </a:r>
-            <a:r>
-              <a:rPr lang="en-GB" dirty="0" err="1">
-                <a:solidFill>
-                  <a:schemeClr val="accent6">
-                    <a:lumMod val="75000"/>
-                  </a:schemeClr>
-                </a:solidFill>
-              </a:rPr>
-              <a:t>czf|xzf</a:t>
-            </a:r>
-            <a:r>
-              <a:rPr lang="en-GB" dirty="0">
-                <a:solidFill>
-                  <a:schemeClr val="accent6">
-                    <a:lumMod val="75000"/>
-                  </a:schemeClr>
-                </a:solidFill>
-              </a:rPr>
-              <a:t>]</a:t>
-            </a:r>
-          </a:p>
-          <a:p>
-            <a:r>
-              <a:rPr lang="en-GB" dirty="0" err="1"/>
-              <a:t>gzip</a:t>
-            </a:r>
-            <a:r>
-              <a:rPr lang="en-GB" dirty="0"/>
-              <a:t> </a:t>
-            </a:r>
-            <a:r>
-              <a:rPr lang="en-GB" dirty="0">
-                <a:solidFill>
-                  <a:schemeClr val="accent6">
-                    <a:lumMod val="75000"/>
-                  </a:schemeClr>
-                </a:solidFill>
-              </a:rPr>
-              <a:t>[d]</a:t>
-            </a:r>
-          </a:p>
-          <a:p>
-            <a:r>
-              <a:rPr lang="en-GB" dirty="0"/>
-              <a:t>bzip2 </a:t>
-            </a:r>
-            <a:r>
-              <a:rPr lang="en-GB" dirty="0">
-                <a:solidFill>
-                  <a:schemeClr val="accent6">
-                    <a:lumMod val="75000"/>
-                  </a:schemeClr>
-                </a:solidFill>
-              </a:rPr>
-              <a:t>[d]</a:t>
-            </a:r>
-          </a:p>
-          <a:p>
+              <a:rPr lang="it-IT" dirty="0" err="1"/>
+              <a:t>adduser</a:t>
+            </a:r>
+            <a:endParaRPr lang="it-IT" dirty="0"/>
+          </a:p>
+          <a:p>
+            <a:r>
+              <a:rPr lang="it-IT" dirty="0" err="1"/>
+              <a:t>deluser</a:t>
+            </a:r>
+            <a:endParaRPr lang="it-IT" dirty="0"/>
+          </a:p>
+          <a:p>
+            <a:r>
+              <a:rPr lang="it-IT" dirty="0"/>
+              <a:t>su</a:t>
+            </a:r>
+          </a:p>
+          <a:p>
+            <a:r>
+              <a:rPr lang="it-IT" dirty="0"/>
+              <a:t>sudo</a:t>
+            </a:r>
             <a:endParaRPr lang="en-GB" dirty="0"/>
           </a:p>
         </p:txBody>
@@ -5159,7 +5124,7 @@
           <p:cNvPr id="4" name="Slide Number Placeholder 3">
             <a:extLst>
               <a:ext uri="{FF2B5EF4-FFF2-40B4-BE49-F238E27FC236}">
-                <a16:creationId xmlns:a16="http://schemas.microsoft.com/office/drawing/2014/main" id="{28219D2A-AB9D-4E46-B9B6-2F7E11A60DB8}"/>
+                <a16:creationId xmlns:a16="http://schemas.microsoft.com/office/drawing/2014/main" id="{6C0684F4-8CED-F84A-8962-C4206529F247}"/>
               </a:ext>
             </a:extLst>
           </p:cNvPr>
@@ -5187,7 +5152,7 @@
     </p:spTree>
     <p:extLst>
       <p:ext uri="{BB962C8B-B14F-4D97-AF65-F5344CB8AC3E}">
-        <p14:creationId xmlns:p14="http://schemas.microsoft.com/office/powerpoint/2010/main" val="2461464390"/>
+        <p14:creationId xmlns:p14="http://schemas.microsoft.com/office/powerpoint/2010/main" val="3144814262"/>
       </p:ext>
     </p:extLst>
   </p:cSld>
@@ -5219,6 +5184,192 @@
           <p:cNvPr id="2" name="Title 1">
             <a:extLst>
               <a:ext uri="{FF2B5EF4-FFF2-40B4-BE49-F238E27FC236}">
+                <a16:creationId xmlns:a16="http://schemas.microsoft.com/office/drawing/2014/main" id="{FE0CC6C3-07E4-1B40-B646-207EF6AE765F}"/>
+              </a:ext>
+            </a:extLst>
+          </p:cNvPr>
+          <p:cNvSpPr>
+            <a:spLocks noGrp="1"/>
+          </p:cNvSpPr>
+          <p:nvPr>
+            <p:ph type="title"/>
+          </p:nvPr>
+        </p:nvSpPr>
+        <p:spPr/>
+        <p:txBody>
+          <a:bodyPr/>
+          <a:lstStyle/>
+          <a:p>
+            <a:r>
+              <a:rPr lang="en-GB" dirty="0" err="1"/>
+              <a:t>Compressione</a:t>
+            </a:r>
+            <a:endParaRPr lang="en-GB" dirty="0"/>
+          </a:p>
+        </p:txBody>
+      </p:sp>
+      <p:sp>
+        <p:nvSpPr>
+          <p:cNvPr id="3" name="Content Placeholder 2">
+            <a:extLst>
+              <a:ext uri="{FF2B5EF4-FFF2-40B4-BE49-F238E27FC236}">
+                <a16:creationId xmlns:a16="http://schemas.microsoft.com/office/drawing/2014/main" id="{102F8CF8-6DEA-6D4D-BE1F-A3219A12F9B0}"/>
+              </a:ext>
+            </a:extLst>
+          </p:cNvPr>
+          <p:cNvSpPr>
+            <a:spLocks noGrp="1"/>
+          </p:cNvSpPr>
+          <p:nvPr>
+            <p:ph idx="1"/>
+          </p:nvPr>
+        </p:nvSpPr>
+        <p:spPr/>
+        <p:txBody>
+          <a:bodyPr/>
+          <a:lstStyle/>
+          <a:p>
+            <a:r>
+              <a:rPr lang="en-GB" dirty="0"/>
+              <a:t>tar </a:t>
+            </a:r>
+            <a:r>
+              <a:rPr lang="en-GB" dirty="0">
+                <a:solidFill>
+                  <a:schemeClr val="accent6">
+                    <a:lumMod val="75000"/>
+                  </a:schemeClr>
+                </a:solidFill>
+              </a:rPr>
+              <a:t>[</a:t>
+            </a:r>
+            <a:r>
+              <a:rPr lang="en-GB" dirty="0" err="1">
+                <a:solidFill>
+                  <a:schemeClr val="accent6">
+                    <a:lumMod val="75000"/>
+                  </a:schemeClr>
+                </a:solidFill>
+              </a:rPr>
+              <a:t>czf|xzf</a:t>
+            </a:r>
+            <a:r>
+              <a:rPr lang="en-GB" dirty="0">
+                <a:solidFill>
+                  <a:schemeClr val="accent6">
+                    <a:lumMod val="75000"/>
+                  </a:schemeClr>
+                </a:solidFill>
+              </a:rPr>
+              <a:t>]</a:t>
+            </a:r>
+          </a:p>
+          <a:p>
+            <a:r>
+              <a:rPr lang="en-GB" dirty="0" err="1"/>
+              <a:t>gzip</a:t>
+            </a:r>
+            <a:r>
+              <a:rPr lang="en-GB" dirty="0"/>
+              <a:t> </a:t>
+            </a:r>
+            <a:r>
+              <a:rPr lang="en-GB" dirty="0">
+                <a:solidFill>
+                  <a:schemeClr val="accent6">
+                    <a:lumMod val="75000"/>
+                  </a:schemeClr>
+                </a:solidFill>
+              </a:rPr>
+              <a:t>[d]</a:t>
+            </a:r>
+          </a:p>
+          <a:p>
+            <a:r>
+              <a:rPr lang="en-GB" dirty="0"/>
+              <a:t>bzip2 </a:t>
+            </a:r>
+            <a:r>
+              <a:rPr lang="en-GB" dirty="0">
+                <a:solidFill>
+                  <a:schemeClr val="accent6">
+                    <a:lumMod val="75000"/>
+                  </a:schemeClr>
+                </a:solidFill>
+              </a:rPr>
+              <a:t>[d]</a:t>
+            </a:r>
+          </a:p>
+          <a:p>
+            <a:endParaRPr lang="en-GB" dirty="0"/>
+          </a:p>
+        </p:txBody>
+      </p:sp>
+      <p:sp>
+        <p:nvSpPr>
+          <p:cNvPr id="4" name="Slide Number Placeholder 3">
+            <a:extLst>
+              <a:ext uri="{FF2B5EF4-FFF2-40B4-BE49-F238E27FC236}">
+                <a16:creationId xmlns:a16="http://schemas.microsoft.com/office/drawing/2014/main" id="{28219D2A-AB9D-4E46-B9B6-2F7E11A60DB8}"/>
+              </a:ext>
+            </a:extLst>
+          </p:cNvPr>
+          <p:cNvSpPr>
+            <a:spLocks noGrp="1"/>
+          </p:cNvSpPr>
+          <p:nvPr>
+            <p:ph type="sldNum" sz="quarter" idx="12"/>
+          </p:nvPr>
+        </p:nvSpPr>
+        <p:spPr/>
+        <p:txBody>
+          <a:bodyPr/>
+          <a:lstStyle/>
+          <a:p>
+            <a:fld id="{D2040F39-7941-49A4-B48D-F201B18B6351}" type="slidenum">
+              <a:rPr lang="it-IT" smtClean="0"/>
+              <a:pPr/>
+              <a:t>7</a:t>
+            </a:fld>
+            <a:endParaRPr lang="it-IT" dirty="0"/>
+          </a:p>
+        </p:txBody>
+      </p:sp>
+    </p:spTree>
+    <p:extLst>
+      <p:ext uri="{BB962C8B-B14F-4D97-AF65-F5344CB8AC3E}">
+        <p14:creationId xmlns:p14="http://schemas.microsoft.com/office/powerpoint/2010/main" val="2461464390"/>
+      </p:ext>
+    </p:extLst>
+  </p:cSld>
+  <p:clrMapOvr>
+    <a:masterClrMapping/>
+  </p:clrMapOvr>
+</p:sld>
+</file>
+
+<file path=ppt/slides/slide8.xml><?xml version="1.0" encoding="utf-8"?>
+<p:sld xmlns:a="http://schemas.openxmlformats.org/drawingml/2006/main" xmlns:r="http://schemas.openxmlformats.org/officeDocument/2006/relationships" xmlns:p="http://schemas.openxmlformats.org/presentationml/2006/main">
+  <p:cSld>
+    <p:spTree>
+      <p:nvGrpSpPr>
+        <p:cNvPr id="1" name=""/>
+        <p:cNvGrpSpPr/>
+        <p:nvPr/>
+      </p:nvGrpSpPr>
+      <p:grpSpPr>
+        <a:xfrm>
+          <a:off x="0" y="0"/>
+          <a:ext cx="0" cy="0"/>
+          <a:chOff x="0" y="0"/>
+          <a:chExt cx="0" cy="0"/>
+        </a:xfrm>
+      </p:grpSpPr>
+      <p:sp>
+        <p:nvSpPr>
+          <p:cNvPr id="2" name="Title 1">
+            <a:extLst>
+              <a:ext uri="{FF2B5EF4-FFF2-40B4-BE49-F238E27FC236}">
                 <a16:creationId xmlns:a16="http://schemas.microsoft.com/office/drawing/2014/main" id="{D0CCD925-C1A0-F642-A549-A5CE88573BDB}"/>
               </a:ext>
             </a:extLst>
@@ -5265,6 +5416,47 @@
           <a:lstStyle/>
           <a:p>
             <a:r>
+              <a:rPr lang="en-GB" dirty="0" err="1"/>
+              <a:t>dd</a:t>
+            </a:r>
+            <a:r>
+              <a:rPr lang="en-GB" dirty="0"/>
+              <a:t> </a:t>
+            </a:r>
+            <a:r>
+              <a:rPr lang="en-GB" dirty="0">
+                <a:solidFill>
+                  <a:schemeClr val="accent6">
+                    <a:lumMod val="75000"/>
+                  </a:schemeClr>
+                </a:solidFill>
+              </a:rPr>
+              <a:t>[if, of, </a:t>
+            </a:r>
+            <a:r>
+              <a:rPr lang="en-GB" dirty="0" err="1">
+                <a:solidFill>
+                  <a:schemeClr val="accent6">
+                    <a:lumMod val="75000"/>
+                  </a:schemeClr>
+                </a:solidFill>
+              </a:rPr>
+              <a:t>bs</a:t>
+            </a:r>
+            <a:r>
+              <a:rPr lang="en-GB" dirty="0">
+                <a:solidFill>
+                  <a:schemeClr val="accent6">
+                    <a:lumMod val="75000"/>
+                  </a:schemeClr>
+                </a:solidFill>
+              </a:rPr>
+              <a:t>, count]</a:t>
+            </a:r>
+            <a:endParaRPr lang="en-GB" dirty="0"/>
+          </a:p>
+          <a:p>
+            <a:r>
               <a:rPr lang="en-GB" dirty="0"/>
               <a:t>echo </a:t>
             </a:r>
@@ -5288,13 +5480,13 @@
           <a:p>
             <a:r>
               <a:rPr lang="en-GB" dirty="0"/>
-              <a:t>more</a:t>
+              <a:t>true</a:t>
             </a:r>
           </a:p>
           <a:p>
             <a:r>
               <a:rPr lang="en-GB" dirty="0"/>
-              <a:t>less</a:t>
+              <a:t>false</a:t>
             </a:r>
           </a:p>
           <a:p>
@@ -5311,42 +5503,14 @@
           </a:p>
           <a:p>
             <a:r>
-              <a:rPr lang="en-GB" dirty="0" err="1"/>
-              <a:t>dd</a:t>
-            </a:r>
-            <a:r>
               <a:rPr lang="en-GB" dirty="0"/>
-              <a:t> </a:t>
-            </a:r>
-            <a:r>
-              <a:rPr lang="en-GB" dirty="0">
-                <a:solidFill>
-                  <a:schemeClr val="accent6">
-                    <a:lumMod val="75000"/>
-                  </a:schemeClr>
-                </a:solidFill>
-              </a:rPr>
-              <a:t>[if, of, </a:t>
-            </a:r>
-            <a:r>
-              <a:rPr lang="en-GB" dirty="0" err="1">
-                <a:solidFill>
-                  <a:schemeClr val="accent6">
-                    <a:lumMod val="75000"/>
-                  </a:schemeClr>
-                </a:solidFill>
-              </a:rPr>
-              <a:t>bs</a:t>
-            </a:r>
-            <a:r>
-              <a:rPr lang="en-GB" dirty="0">
-                <a:solidFill>
-                  <a:schemeClr val="accent6">
-                    <a:lumMod val="75000"/>
-                  </a:schemeClr>
-                </a:solidFill>
-              </a:rPr>
-              <a:t>, count]</a:t>
+              <a:t>man</a:t>
+            </a:r>
+          </a:p>
+          <a:p>
+            <a:r>
+              <a:rPr lang="en-GB" dirty="0"/>
+              <a:t>apropos</a:t>
             </a:r>
           </a:p>
         </p:txBody>
@@ -5375,7 +5539,7 @@
             <a:fld id="{D2040F39-7941-49A4-B48D-F201B18B6351}" type="slidenum">
               <a:rPr lang="it-IT" smtClean="0"/>
               <a:pPr/>
-              <a:t>7</a:t>
+              <a:t>8</a:t>
             </a:fld>
             <a:endParaRPr lang="it-IT" dirty="0"/>
           </a:p>

--- a/slides/ppt/04_Comandi principali.pptx
+++ b/slides/ppt/04_Comandi principali.pptx
@@ -216,7 +216,7 @@
             <a:fld id="{BAEB7694-8561-4BE2-948D-EDF7A201F8BB}" type="datetimeFigureOut">
               <a:rPr lang="it-IT" smtClean="0"/>
               <a:pPr/>
-              <a:t>01/04/20</a:t>
+              <a:t>04/04/20</a:t>
             </a:fld>
             <a:endParaRPr lang="it-IT"/>
           </a:p>
@@ -3926,7 +3926,7 @@
         <p:spPr/>
         <p:txBody>
           <a:bodyPr>
-            <a:normAutofit/>
+            <a:normAutofit lnSpcReduction="10000"/>
           </a:bodyPr>
           <a:lstStyle/>
           <a:p>
@@ -4071,6 +4071,13 @@
               </a:rPr>
               <a:t>]</a:t>
             </a:r>
+          </a:p>
+          <a:p>
+            <a:r>
+              <a:rPr lang="it-IT" sz="2400" dirty="0" err="1"/>
+              <a:t>stat</a:t>
+            </a:r>
+            <a:endParaRPr lang="it-IT" sz="2400" dirty="0"/>
           </a:p>
           <a:p>
             <a:r>
@@ -4213,7 +4220,7 @@
         <p:spPr/>
         <p:txBody>
           <a:bodyPr>
-            <a:normAutofit/>
+            <a:normAutofit lnSpcReduction="10000"/>
           </a:bodyPr>
           <a:lstStyle/>
           <a:p>
